--- a/information/What's in the Backbone.pptx
+++ b/information/What's in the Backbone.pptx
@@ -7,8 +7,9 @@
   <p:sldIdLst>
     <p:sldId id="256" r:id="rId2"/>
     <p:sldId id="257" r:id="rId3"/>
-    <p:sldId id="258" r:id="rId4"/>
-    <p:sldId id="259" r:id="rId5"/>
+    <p:sldId id="260" r:id="rId4"/>
+    <p:sldId id="258" r:id="rId5"/>
+    <p:sldId id="259" r:id="rId6"/>
   </p:sldIdLst>
   <p:sldSz cx="12192000" cy="6858000"/>
   <p:notesSz cx="6858000" cy="9144000"/>
@@ -262,7 +263,7 @@
           <a:p>
             <a:fld id="{DC3464DE-BB09-4046-9914-AAE77AD20AD3}" type="datetimeFigureOut">
               <a:rPr lang="de-DE" smtClean="0"/>
-              <a:t>29.09.2025</a:t>
+              <a:t>08.12.2025</a:t>
             </a:fld>
             <a:endParaRPr lang="de-DE"/>
           </a:p>
@@ -460,7 +461,7 @@
           <a:p>
             <a:fld id="{DC3464DE-BB09-4046-9914-AAE77AD20AD3}" type="datetimeFigureOut">
               <a:rPr lang="de-DE" smtClean="0"/>
-              <a:t>29.09.2025</a:t>
+              <a:t>08.12.2025</a:t>
             </a:fld>
             <a:endParaRPr lang="de-DE"/>
           </a:p>
@@ -668,7 +669,7 @@
           <a:p>
             <a:fld id="{DC3464DE-BB09-4046-9914-AAE77AD20AD3}" type="datetimeFigureOut">
               <a:rPr lang="de-DE" smtClean="0"/>
-              <a:t>29.09.2025</a:t>
+              <a:t>08.12.2025</a:t>
             </a:fld>
             <a:endParaRPr lang="de-DE"/>
           </a:p>
@@ -866,7 +867,7 @@
           <a:p>
             <a:fld id="{DC3464DE-BB09-4046-9914-AAE77AD20AD3}" type="datetimeFigureOut">
               <a:rPr lang="de-DE" smtClean="0"/>
-              <a:t>29.09.2025</a:t>
+              <a:t>08.12.2025</a:t>
             </a:fld>
             <a:endParaRPr lang="de-DE"/>
           </a:p>
@@ -1141,7 +1142,7 @@
           <a:p>
             <a:fld id="{DC3464DE-BB09-4046-9914-AAE77AD20AD3}" type="datetimeFigureOut">
               <a:rPr lang="de-DE" smtClean="0"/>
-              <a:t>29.09.2025</a:t>
+              <a:t>08.12.2025</a:t>
             </a:fld>
             <a:endParaRPr lang="de-DE"/>
           </a:p>
@@ -1406,7 +1407,7 @@
           <a:p>
             <a:fld id="{DC3464DE-BB09-4046-9914-AAE77AD20AD3}" type="datetimeFigureOut">
               <a:rPr lang="de-DE" smtClean="0"/>
-              <a:t>29.09.2025</a:t>
+              <a:t>08.12.2025</a:t>
             </a:fld>
             <a:endParaRPr lang="de-DE"/>
           </a:p>
@@ -1818,7 +1819,7 @@
           <a:p>
             <a:fld id="{DC3464DE-BB09-4046-9914-AAE77AD20AD3}" type="datetimeFigureOut">
               <a:rPr lang="de-DE" smtClean="0"/>
-              <a:t>29.09.2025</a:t>
+              <a:t>08.12.2025</a:t>
             </a:fld>
             <a:endParaRPr lang="de-DE"/>
           </a:p>
@@ -1959,7 +1960,7 @@
           <a:p>
             <a:fld id="{DC3464DE-BB09-4046-9914-AAE77AD20AD3}" type="datetimeFigureOut">
               <a:rPr lang="de-DE" smtClean="0"/>
-              <a:t>29.09.2025</a:t>
+              <a:t>08.12.2025</a:t>
             </a:fld>
             <a:endParaRPr lang="de-DE"/>
           </a:p>
@@ -2072,7 +2073,7 @@
           <a:p>
             <a:fld id="{DC3464DE-BB09-4046-9914-AAE77AD20AD3}" type="datetimeFigureOut">
               <a:rPr lang="de-DE" smtClean="0"/>
-              <a:t>29.09.2025</a:t>
+              <a:t>08.12.2025</a:t>
             </a:fld>
             <a:endParaRPr lang="de-DE"/>
           </a:p>
@@ -2383,7 +2384,7 @@
           <a:p>
             <a:fld id="{DC3464DE-BB09-4046-9914-AAE77AD20AD3}" type="datetimeFigureOut">
               <a:rPr lang="de-DE" smtClean="0"/>
-              <a:t>29.09.2025</a:t>
+              <a:t>08.12.2025</a:t>
             </a:fld>
             <a:endParaRPr lang="de-DE"/>
           </a:p>
@@ -2671,7 +2672,7 @@
           <a:p>
             <a:fld id="{DC3464DE-BB09-4046-9914-AAE77AD20AD3}" type="datetimeFigureOut">
               <a:rPr lang="de-DE" smtClean="0"/>
-              <a:t>29.09.2025</a:t>
+              <a:t>08.12.2025</a:t>
             </a:fld>
             <a:endParaRPr lang="de-DE"/>
           </a:p>
@@ -2912,7 +2913,7 @@
           <a:p>
             <a:fld id="{DC3464DE-BB09-4046-9914-AAE77AD20AD3}" type="datetimeFigureOut">
               <a:rPr lang="de-DE" smtClean="0"/>
-              <a:t>29.09.2025</a:t>
+              <a:t>08.12.2025</a:t>
             </a:fld>
             <a:endParaRPr lang="de-DE"/>
           </a:p>
@@ -3810,6 +3811,144 @@
           <a:chExt cx="0" cy="0"/>
         </a:xfrm>
       </p:grpSpPr>
+      <p:sp>
+        <p:nvSpPr>
+          <p:cNvPr id="2" name="Titel 1">
+            <a:extLst>
+              <a:ext uri="{FF2B5EF4-FFF2-40B4-BE49-F238E27FC236}">
+                <a16:creationId xmlns:a16="http://schemas.microsoft.com/office/drawing/2014/main" id="{CC043554-757B-4723-84DF-3B87DE873CC2}"/>
+              </a:ext>
+            </a:extLst>
+          </p:cNvPr>
+          <p:cNvSpPr>
+            <a:spLocks noGrp="1"/>
+          </p:cNvSpPr>
+          <p:nvPr>
+            <p:ph type="title"/>
+          </p:nvPr>
+        </p:nvSpPr>
+        <p:spPr>
+          <a:xfrm>
+            <a:off x="838200" y="-100543"/>
+            <a:ext cx="10515600" cy="1325563"/>
+          </a:xfrm>
+        </p:spPr>
+        <p:txBody>
+          <a:bodyPr/>
+          <a:lstStyle/>
+          <a:p>
+            <a:r>
+              <a:rPr lang="de-DE" dirty="0" err="1"/>
+              <a:t>Adolescents</a:t>
+            </a:r>
+            <a:r>
+              <a:rPr lang="de-DE" dirty="0"/>
+              <a:t> </a:t>
+            </a:r>
+            <a:r>
+              <a:rPr lang="de-DE" dirty="0" err="1"/>
+              <a:t>Questionnaire</a:t>
+            </a:r>
+            <a:endParaRPr lang="de-DE" dirty="0"/>
+          </a:p>
+        </p:txBody>
+      </p:sp>
+      <p:sp>
+        <p:nvSpPr>
+          <p:cNvPr id="3" name="Inhaltsplatzhalter 2">
+            <a:extLst>
+              <a:ext uri="{FF2B5EF4-FFF2-40B4-BE49-F238E27FC236}">
+                <a16:creationId xmlns:a16="http://schemas.microsoft.com/office/drawing/2014/main" id="{7F04A898-4CCF-47A0-B1D1-AD6B8D471CC7}"/>
+              </a:ext>
+            </a:extLst>
+          </p:cNvPr>
+          <p:cNvSpPr>
+            <a:spLocks noGrp="1"/>
+          </p:cNvSpPr>
+          <p:nvPr>
+            <p:ph idx="1"/>
+          </p:nvPr>
+        </p:nvSpPr>
+        <p:spPr>
+          <a:xfrm>
+            <a:off x="5926666" y="1605491"/>
+            <a:ext cx="5300133" cy="4351338"/>
+          </a:xfrm>
+        </p:spPr>
+        <p:txBody>
+          <a:bodyPr/>
+          <a:lstStyle/>
+          <a:p>
+            <a:pPr marL="0" indent="0">
+              <a:buNone/>
+            </a:pPr>
+            <a:r>
+              <a:rPr lang="de-DE"/>
+              <a:t>same</a:t>
+            </a:r>
+          </a:p>
+        </p:txBody>
+      </p:sp>
+      <p:pic>
+        <p:nvPicPr>
+          <p:cNvPr id="7" name="Grafik 6">
+            <a:extLst>
+              <a:ext uri="{FF2B5EF4-FFF2-40B4-BE49-F238E27FC236}">
+                <a16:creationId xmlns:a16="http://schemas.microsoft.com/office/drawing/2014/main" id="{EE306C13-1241-4652-B377-C281F0FBD6E1}"/>
+              </a:ext>
+            </a:extLst>
+          </p:cNvPr>
+          <p:cNvPicPr>
+            <a:picLocks noChangeAspect="1"/>
+          </p:cNvPicPr>
+          <p:nvPr/>
+        </p:nvPicPr>
+        <p:blipFill>
+          <a:blip r:embed="rId2"/>
+          <a:stretch>
+            <a:fillRect/>
+          </a:stretch>
+        </p:blipFill>
+        <p:spPr>
+          <a:xfrm>
+            <a:off x="965201" y="778933"/>
+            <a:ext cx="2444072" cy="5562600"/>
+          </a:xfrm>
+          <a:prstGeom prst="rect">
+            <a:avLst/>
+          </a:prstGeom>
+        </p:spPr>
+      </p:pic>
+    </p:spTree>
+    <p:extLst>
+      <p:ext uri="{BB962C8B-B14F-4D97-AF65-F5344CB8AC3E}">
+        <p14:creationId xmlns:p14="http://schemas.microsoft.com/office/powerpoint/2010/main" val="2059663016"/>
+      </p:ext>
+    </p:extLst>
+  </p:cSld>
+  <p:clrMapOvr>
+    <a:masterClrMapping/>
+  </p:clrMapOvr>
+</p:sld>
+</file>
+
+<file path=ppt/slides/slide4.xml><?xml version="1.0" encoding="utf-8"?>
+<p:sld xmlns:a="http://schemas.openxmlformats.org/drawingml/2006/main" xmlns:r="http://schemas.openxmlformats.org/officeDocument/2006/relationships" xmlns:p="http://schemas.openxmlformats.org/presentationml/2006/main">
+  <p:cSld>
+    <p:spTree>
+      <p:nvGrpSpPr>
+        <p:cNvPr id="1" name=""/>
+        <p:cNvGrpSpPr/>
+        <p:nvPr/>
+      </p:nvGrpSpPr>
+      <p:grpSpPr>
+        <a:xfrm>
+          <a:off x="0" y="0"/>
+          <a:ext cx="0" cy="0"/>
+          <a:chOff x="0" y="0"/>
+          <a:chExt cx="0" cy="0"/>
+        </a:xfrm>
+      </p:grpSpPr>
       <p:pic>
         <p:nvPicPr>
           <p:cNvPr id="4" name="Grafik 3">
@@ -4281,7 +4420,7 @@
 </p:sld>
 </file>
 
-<file path=ppt/slides/slide4.xml><?xml version="1.0" encoding="utf-8"?>
+<file path=ppt/slides/slide5.xml><?xml version="1.0" encoding="utf-8"?>
 <p:sld xmlns:a="http://schemas.openxmlformats.org/drawingml/2006/main" xmlns:r="http://schemas.openxmlformats.org/officeDocument/2006/relationships" xmlns:p="http://schemas.openxmlformats.org/presentationml/2006/main">
   <p:cSld>
     <p:spTree>

--- a/information/What's in the Backbone.pptx
+++ b/information/What's in the Backbone.pptx
@@ -7,8 +7,8 @@
   <p:sldIdLst>
     <p:sldId id="256" r:id="rId2"/>
     <p:sldId id="257" r:id="rId3"/>
-    <p:sldId id="260" r:id="rId4"/>
-    <p:sldId id="258" r:id="rId5"/>
+    <p:sldId id="258" r:id="rId4"/>
+    <p:sldId id="260" r:id="rId5"/>
     <p:sldId id="259" r:id="rId6"/>
   </p:sldIdLst>
   <p:sldSz cx="12192000" cy="6858000"/>
@@ -263,7 +263,7 @@
           <a:p>
             <a:fld id="{DC3464DE-BB09-4046-9914-AAE77AD20AD3}" type="datetimeFigureOut">
               <a:rPr lang="de-DE" smtClean="0"/>
-              <a:t>08.12.2025</a:t>
+              <a:t>29.01.2026</a:t>
             </a:fld>
             <a:endParaRPr lang="de-DE"/>
           </a:p>
@@ -461,7 +461,7 @@
           <a:p>
             <a:fld id="{DC3464DE-BB09-4046-9914-AAE77AD20AD3}" type="datetimeFigureOut">
               <a:rPr lang="de-DE" smtClean="0"/>
-              <a:t>08.12.2025</a:t>
+              <a:t>29.01.2026</a:t>
             </a:fld>
             <a:endParaRPr lang="de-DE"/>
           </a:p>
@@ -669,7 +669,7 @@
           <a:p>
             <a:fld id="{DC3464DE-BB09-4046-9914-AAE77AD20AD3}" type="datetimeFigureOut">
               <a:rPr lang="de-DE" smtClean="0"/>
-              <a:t>08.12.2025</a:t>
+              <a:t>29.01.2026</a:t>
             </a:fld>
             <a:endParaRPr lang="de-DE"/>
           </a:p>
@@ -867,7 +867,7 @@
           <a:p>
             <a:fld id="{DC3464DE-BB09-4046-9914-AAE77AD20AD3}" type="datetimeFigureOut">
               <a:rPr lang="de-DE" smtClean="0"/>
-              <a:t>08.12.2025</a:t>
+              <a:t>29.01.2026</a:t>
             </a:fld>
             <a:endParaRPr lang="de-DE"/>
           </a:p>
@@ -1142,7 +1142,7 @@
           <a:p>
             <a:fld id="{DC3464DE-BB09-4046-9914-AAE77AD20AD3}" type="datetimeFigureOut">
               <a:rPr lang="de-DE" smtClean="0"/>
-              <a:t>08.12.2025</a:t>
+              <a:t>29.01.2026</a:t>
             </a:fld>
             <a:endParaRPr lang="de-DE"/>
           </a:p>
@@ -1407,7 +1407,7 @@
           <a:p>
             <a:fld id="{DC3464DE-BB09-4046-9914-AAE77AD20AD3}" type="datetimeFigureOut">
               <a:rPr lang="de-DE" smtClean="0"/>
-              <a:t>08.12.2025</a:t>
+              <a:t>29.01.2026</a:t>
             </a:fld>
             <a:endParaRPr lang="de-DE"/>
           </a:p>
@@ -1819,7 +1819,7 @@
           <a:p>
             <a:fld id="{DC3464DE-BB09-4046-9914-AAE77AD20AD3}" type="datetimeFigureOut">
               <a:rPr lang="de-DE" smtClean="0"/>
-              <a:t>08.12.2025</a:t>
+              <a:t>29.01.2026</a:t>
             </a:fld>
             <a:endParaRPr lang="de-DE"/>
           </a:p>
@@ -1960,7 +1960,7 @@
           <a:p>
             <a:fld id="{DC3464DE-BB09-4046-9914-AAE77AD20AD3}" type="datetimeFigureOut">
               <a:rPr lang="de-DE" smtClean="0"/>
-              <a:t>08.12.2025</a:t>
+              <a:t>29.01.2026</a:t>
             </a:fld>
             <a:endParaRPr lang="de-DE"/>
           </a:p>
@@ -2073,7 +2073,7 @@
           <a:p>
             <a:fld id="{DC3464DE-BB09-4046-9914-AAE77AD20AD3}" type="datetimeFigureOut">
               <a:rPr lang="de-DE" smtClean="0"/>
-              <a:t>08.12.2025</a:t>
+              <a:t>29.01.2026</a:t>
             </a:fld>
             <a:endParaRPr lang="de-DE"/>
           </a:p>
@@ -2384,7 +2384,7 @@
           <a:p>
             <a:fld id="{DC3464DE-BB09-4046-9914-AAE77AD20AD3}" type="datetimeFigureOut">
               <a:rPr lang="de-DE" smtClean="0"/>
-              <a:t>08.12.2025</a:t>
+              <a:t>29.01.2026</a:t>
             </a:fld>
             <a:endParaRPr lang="de-DE"/>
           </a:p>
@@ -2672,7 +2672,7 @@
           <a:p>
             <a:fld id="{DC3464DE-BB09-4046-9914-AAE77AD20AD3}" type="datetimeFigureOut">
               <a:rPr lang="de-DE" smtClean="0"/>
-              <a:t>08.12.2025</a:t>
+              <a:t>29.01.2026</a:t>
             </a:fld>
             <a:endParaRPr lang="de-DE"/>
           </a:p>
@@ -2913,7 +2913,7 @@
           <a:p>
             <a:fld id="{DC3464DE-BB09-4046-9914-AAE77AD20AD3}" type="datetimeFigureOut">
               <a:rPr lang="de-DE" smtClean="0"/>
-              <a:t>08.12.2025</a:t>
+              <a:t>29.01.2026</a:t>
             </a:fld>
             <a:endParaRPr lang="de-DE"/>
           </a:p>
@@ -3811,144 +3811,6 @@
           <a:chExt cx="0" cy="0"/>
         </a:xfrm>
       </p:grpSpPr>
-      <p:sp>
-        <p:nvSpPr>
-          <p:cNvPr id="2" name="Titel 1">
-            <a:extLst>
-              <a:ext uri="{FF2B5EF4-FFF2-40B4-BE49-F238E27FC236}">
-                <a16:creationId xmlns:a16="http://schemas.microsoft.com/office/drawing/2014/main" id="{CC043554-757B-4723-84DF-3B87DE873CC2}"/>
-              </a:ext>
-            </a:extLst>
-          </p:cNvPr>
-          <p:cNvSpPr>
-            <a:spLocks noGrp="1"/>
-          </p:cNvSpPr>
-          <p:nvPr>
-            <p:ph type="title"/>
-          </p:nvPr>
-        </p:nvSpPr>
-        <p:spPr>
-          <a:xfrm>
-            <a:off x="838200" y="-100543"/>
-            <a:ext cx="10515600" cy="1325563"/>
-          </a:xfrm>
-        </p:spPr>
-        <p:txBody>
-          <a:bodyPr/>
-          <a:lstStyle/>
-          <a:p>
-            <a:r>
-              <a:rPr lang="de-DE" dirty="0" err="1"/>
-              <a:t>Adolescents</a:t>
-            </a:r>
-            <a:r>
-              <a:rPr lang="de-DE" dirty="0"/>
-              <a:t> </a:t>
-            </a:r>
-            <a:r>
-              <a:rPr lang="de-DE" dirty="0" err="1"/>
-              <a:t>Questionnaire</a:t>
-            </a:r>
-            <a:endParaRPr lang="de-DE" dirty="0"/>
-          </a:p>
-        </p:txBody>
-      </p:sp>
-      <p:sp>
-        <p:nvSpPr>
-          <p:cNvPr id="3" name="Inhaltsplatzhalter 2">
-            <a:extLst>
-              <a:ext uri="{FF2B5EF4-FFF2-40B4-BE49-F238E27FC236}">
-                <a16:creationId xmlns:a16="http://schemas.microsoft.com/office/drawing/2014/main" id="{7F04A898-4CCF-47A0-B1D1-AD6B8D471CC7}"/>
-              </a:ext>
-            </a:extLst>
-          </p:cNvPr>
-          <p:cNvSpPr>
-            <a:spLocks noGrp="1"/>
-          </p:cNvSpPr>
-          <p:nvPr>
-            <p:ph idx="1"/>
-          </p:nvPr>
-        </p:nvSpPr>
-        <p:spPr>
-          <a:xfrm>
-            <a:off x="5926666" y="1605491"/>
-            <a:ext cx="5300133" cy="4351338"/>
-          </a:xfrm>
-        </p:spPr>
-        <p:txBody>
-          <a:bodyPr/>
-          <a:lstStyle/>
-          <a:p>
-            <a:pPr marL="0" indent="0">
-              <a:buNone/>
-            </a:pPr>
-            <a:r>
-              <a:rPr lang="de-DE"/>
-              <a:t>same</a:t>
-            </a:r>
-          </a:p>
-        </p:txBody>
-      </p:sp>
-      <p:pic>
-        <p:nvPicPr>
-          <p:cNvPr id="7" name="Grafik 6">
-            <a:extLst>
-              <a:ext uri="{FF2B5EF4-FFF2-40B4-BE49-F238E27FC236}">
-                <a16:creationId xmlns:a16="http://schemas.microsoft.com/office/drawing/2014/main" id="{EE306C13-1241-4652-B377-C281F0FBD6E1}"/>
-              </a:ext>
-            </a:extLst>
-          </p:cNvPr>
-          <p:cNvPicPr>
-            <a:picLocks noChangeAspect="1"/>
-          </p:cNvPicPr>
-          <p:nvPr/>
-        </p:nvPicPr>
-        <p:blipFill>
-          <a:blip r:embed="rId2"/>
-          <a:stretch>
-            <a:fillRect/>
-          </a:stretch>
-        </p:blipFill>
-        <p:spPr>
-          <a:xfrm>
-            <a:off x="965201" y="778933"/>
-            <a:ext cx="2444072" cy="5562600"/>
-          </a:xfrm>
-          <a:prstGeom prst="rect">
-            <a:avLst/>
-          </a:prstGeom>
-        </p:spPr>
-      </p:pic>
-    </p:spTree>
-    <p:extLst>
-      <p:ext uri="{BB962C8B-B14F-4D97-AF65-F5344CB8AC3E}">
-        <p14:creationId xmlns:p14="http://schemas.microsoft.com/office/powerpoint/2010/main" val="2059663016"/>
-      </p:ext>
-    </p:extLst>
-  </p:cSld>
-  <p:clrMapOvr>
-    <a:masterClrMapping/>
-  </p:clrMapOvr>
-</p:sld>
-</file>
-
-<file path=ppt/slides/slide4.xml><?xml version="1.0" encoding="utf-8"?>
-<p:sld xmlns:a="http://schemas.openxmlformats.org/drawingml/2006/main" xmlns:r="http://schemas.openxmlformats.org/officeDocument/2006/relationships" xmlns:p="http://schemas.openxmlformats.org/presentationml/2006/main">
-  <p:cSld>
-    <p:spTree>
-      <p:nvGrpSpPr>
-        <p:cNvPr id="1" name=""/>
-        <p:cNvGrpSpPr/>
-        <p:nvPr/>
-      </p:nvGrpSpPr>
-      <p:grpSpPr>
-        <a:xfrm>
-          <a:off x="0" y="0"/>
-          <a:ext cx="0" cy="0"/>
-          <a:chOff x="0" y="0"/>
-          <a:chExt cx="0" cy="0"/>
-        </a:xfrm>
-      </p:grpSpPr>
       <p:pic>
         <p:nvPicPr>
           <p:cNvPr id="4" name="Grafik 3">
@@ -4411,6 +4273,144 @@
     <p:extLst>
       <p:ext uri="{BB962C8B-B14F-4D97-AF65-F5344CB8AC3E}">
         <p14:creationId xmlns:p14="http://schemas.microsoft.com/office/powerpoint/2010/main" val="2203745270"/>
+      </p:ext>
+    </p:extLst>
+  </p:cSld>
+  <p:clrMapOvr>
+    <a:masterClrMapping/>
+  </p:clrMapOvr>
+</p:sld>
+</file>
+
+<file path=ppt/slides/slide4.xml><?xml version="1.0" encoding="utf-8"?>
+<p:sld xmlns:a="http://schemas.openxmlformats.org/drawingml/2006/main" xmlns:r="http://schemas.openxmlformats.org/officeDocument/2006/relationships" xmlns:p="http://schemas.openxmlformats.org/presentationml/2006/main">
+  <p:cSld>
+    <p:spTree>
+      <p:nvGrpSpPr>
+        <p:cNvPr id="1" name=""/>
+        <p:cNvGrpSpPr/>
+        <p:nvPr/>
+      </p:nvGrpSpPr>
+      <p:grpSpPr>
+        <a:xfrm>
+          <a:off x="0" y="0"/>
+          <a:ext cx="0" cy="0"/>
+          <a:chOff x="0" y="0"/>
+          <a:chExt cx="0" cy="0"/>
+        </a:xfrm>
+      </p:grpSpPr>
+      <p:sp>
+        <p:nvSpPr>
+          <p:cNvPr id="2" name="Titel 1">
+            <a:extLst>
+              <a:ext uri="{FF2B5EF4-FFF2-40B4-BE49-F238E27FC236}">
+                <a16:creationId xmlns:a16="http://schemas.microsoft.com/office/drawing/2014/main" id="{CC043554-757B-4723-84DF-3B87DE873CC2}"/>
+              </a:ext>
+            </a:extLst>
+          </p:cNvPr>
+          <p:cNvSpPr>
+            <a:spLocks noGrp="1"/>
+          </p:cNvSpPr>
+          <p:nvPr>
+            <p:ph type="title"/>
+          </p:nvPr>
+        </p:nvSpPr>
+        <p:spPr>
+          <a:xfrm>
+            <a:off x="838200" y="-100543"/>
+            <a:ext cx="10515600" cy="1325563"/>
+          </a:xfrm>
+        </p:spPr>
+        <p:txBody>
+          <a:bodyPr/>
+          <a:lstStyle/>
+          <a:p>
+            <a:r>
+              <a:rPr lang="de-DE" dirty="0" err="1"/>
+              <a:t>Adolescents</a:t>
+            </a:r>
+            <a:r>
+              <a:rPr lang="de-DE" dirty="0"/>
+              <a:t> </a:t>
+            </a:r>
+            <a:r>
+              <a:rPr lang="de-DE" dirty="0" err="1"/>
+              <a:t>Questionnaire</a:t>
+            </a:r>
+            <a:endParaRPr lang="de-DE" dirty="0"/>
+          </a:p>
+        </p:txBody>
+      </p:sp>
+      <p:sp>
+        <p:nvSpPr>
+          <p:cNvPr id="3" name="Inhaltsplatzhalter 2">
+            <a:extLst>
+              <a:ext uri="{FF2B5EF4-FFF2-40B4-BE49-F238E27FC236}">
+                <a16:creationId xmlns:a16="http://schemas.microsoft.com/office/drawing/2014/main" id="{7F04A898-4CCF-47A0-B1D1-AD6B8D471CC7}"/>
+              </a:ext>
+            </a:extLst>
+          </p:cNvPr>
+          <p:cNvSpPr>
+            <a:spLocks noGrp="1"/>
+          </p:cNvSpPr>
+          <p:nvPr>
+            <p:ph idx="1"/>
+          </p:nvPr>
+        </p:nvSpPr>
+        <p:spPr>
+          <a:xfrm>
+            <a:off x="5926666" y="1605491"/>
+            <a:ext cx="5300133" cy="4351338"/>
+          </a:xfrm>
+        </p:spPr>
+        <p:txBody>
+          <a:bodyPr/>
+          <a:lstStyle/>
+          <a:p>
+            <a:pPr marL="0" indent="0">
+              <a:buNone/>
+            </a:pPr>
+            <a:r>
+              <a:rPr lang="de-DE"/>
+              <a:t>same</a:t>
+            </a:r>
+          </a:p>
+        </p:txBody>
+      </p:sp>
+      <p:pic>
+        <p:nvPicPr>
+          <p:cNvPr id="7" name="Grafik 6">
+            <a:extLst>
+              <a:ext uri="{FF2B5EF4-FFF2-40B4-BE49-F238E27FC236}">
+                <a16:creationId xmlns:a16="http://schemas.microsoft.com/office/drawing/2014/main" id="{EE306C13-1241-4652-B377-C281F0FBD6E1}"/>
+              </a:ext>
+            </a:extLst>
+          </p:cNvPr>
+          <p:cNvPicPr>
+            <a:picLocks noChangeAspect="1"/>
+          </p:cNvPicPr>
+          <p:nvPr/>
+        </p:nvPicPr>
+        <p:blipFill>
+          <a:blip r:embed="rId2"/>
+          <a:stretch>
+            <a:fillRect/>
+          </a:stretch>
+        </p:blipFill>
+        <p:spPr>
+          <a:xfrm>
+            <a:off x="965201" y="778933"/>
+            <a:ext cx="2444072" cy="5562600"/>
+          </a:xfrm>
+          <a:prstGeom prst="rect">
+            <a:avLst/>
+          </a:prstGeom>
+        </p:spPr>
+      </p:pic>
+    </p:spTree>
+    <p:extLst>
+      <p:ext uri="{BB962C8B-B14F-4D97-AF65-F5344CB8AC3E}">
+        <p14:creationId xmlns:p14="http://schemas.microsoft.com/office/powerpoint/2010/main" val="2059663016"/>
       </p:ext>
     </p:extLst>
   </p:cSld>
